--- a/AI-ML-Course-Induction-and-General/KNN/Distance formulae.pptx
+++ b/AI-ML-Course-Induction-and-General/KNN/Distance formulae.pptx
@@ -289,6 +289,7 @@
           <a:p>
             <a:fld id="{F1818828-81B0-4D25-9814-EB5AF1E13B4C}" type="datetimeFigureOut">
               <a:rPr lang="en-US" smtClean="0"/>
+              <a:pPr/>
               <a:t>5/21/2021</a:t>
             </a:fld>
             <a:endParaRPr lang="en-US"/>
@@ -331,6 +332,7 @@
           <a:p>
             <a:fld id="{B354685E-EE93-4CB8-B6F5-1BE0BDBBE9E5}" type="slidenum">
               <a:rPr lang="en-US" smtClean="0"/>
+              <a:pPr/>
               <a:t>‹#›</a:t>
             </a:fld>
             <a:endParaRPr lang="en-US"/>
@@ -454,6 +456,7 @@
           <a:p>
             <a:fld id="{F1818828-81B0-4D25-9814-EB5AF1E13B4C}" type="datetimeFigureOut">
               <a:rPr lang="en-US" smtClean="0"/>
+              <a:pPr/>
               <a:t>5/21/2021</a:t>
             </a:fld>
             <a:endParaRPr lang="en-US"/>
@@ -496,6 +499,7 @@
           <a:p>
             <a:fld id="{B354685E-EE93-4CB8-B6F5-1BE0BDBBE9E5}" type="slidenum">
               <a:rPr lang="en-US" smtClean="0"/>
+              <a:pPr/>
               <a:t>‹#›</a:t>
             </a:fld>
             <a:endParaRPr lang="en-US"/>
@@ -629,6 +633,7 @@
           <a:p>
             <a:fld id="{F1818828-81B0-4D25-9814-EB5AF1E13B4C}" type="datetimeFigureOut">
               <a:rPr lang="en-US" smtClean="0"/>
+              <a:pPr/>
               <a:t>5/21/2021</a:t>
             </a:fld>
             <a:endParaRPr lang="en-US"/>
@@ -671,6 +676,7 @@
           <a:p>
             <a:fld id="{B354685E-EE93-4CB8-B6F5-1BE0BDBBE9E5}" type="slidenum">
               <a:rPr lang="en-US" smtClean="0"/>
+              <a:pPr/>
               <a:t>‹#›</a:t>
             </a:fld>
             <a:endParaRPr lang="en-US"/>
@@ -794,6 +800,7 @@
           <a:p>
             <a:fld id="{F1818828-81B0-4D25-9814-EB5AF1E13B4C}" type="datetimeFigureOut">
               <a:rPr lang="en-US" smtClean="0"/>
+              <a:pPr/>
               <a:t>5/21/2021</a:t>
             </a:fld>
             <a:endParaRPr lang="en-US"/>
@@ -836,6 +843,7 @@
           <a:p>
             <a:fld id="{B354685E-EE93-4CB8-B6F5-1BE0BDBBE9E5}" type="slidenum">
               <a:rPr lang="en-US" smtClean="0"/>
+              <a:pPr/>
               <a:t>‹#›</a:t>
             </a:fld>
             <a:endParaRPr lang="en-US"/>
@@ -1035,6 +1043,7 @@
           <a:p>
             <a:fld id="{F1818828-81B0-4D25-9814-EB5AF1E13B4C}" type="datetimeFigureOut">
               <a:rPr lang="en-US" smtClean="0"/>
+              <a:pPr/>
               <a:t>5/21/2021</a:t>
             </a:fld>
             <a:endParaRPr lang="en-US"/>
@@ -1077,6 +1086,7 @@
           <a:p>
             <a:fld id="{B354685E-EE93-4CB8-B6F5-1BE0BDBBE9E5}" type="slidenum">
               <a:rPr lang="en-US" smtClean="0"/>
+              <a:pPr/>
               <a:t>‹#›</a:t>
             </a:fld>
             <a:endParaRPr lang="en-US"/>
@@ -1318,6 +1328,7 @@
           <a:p>
             <a:fld id="{F1818828-81B0-4D25-9814-EB5AF1E13B4C}" type="datetimeFigureOut">
               <a:rPr lang="en-US" smtClean="0"/>
+              <a:pPr/>
               <a:t>5/21/2021</a:t>
             </a:fld>
             <a:endParaRPr lang="en-US"/>
@@ -1360,6 +1371,7 @@
           <a:p>
             <a:fld id="{B354685E-EE93-4CB8-B6F5-1BE0BDBBE9E5}" type="slidenum">
               <a:rPr lang="en-US" smtClean="0"/>
+              <a:pPr/>
               <a:t>‹#›</a:t>
             </a:fld>
             <a:endParaRPr lang="en-US"/>
@@ -1735,6 +1747,7 @@
           <a:p>
             <a:fld id="{F1818828-81B0-4D25-9814-EB5AF1E13B4C}" type="datetimeFigureOut">
               <a:rPr lang="en-US" smtClean="0"/>
+              <a:pPr/>
               <a:t>5/21/2021</a:t>
             </a:fld>
             <a:endParaRPr lang="en-US"/>
@@ -1777,6 +1790,7 @@
           <a:p>
             <a:fld id="{B354685E-EE93-4CB8-B6F5-1BE0BDBBE9E5}" type="slidenum">
               <a:rPr lang="en-US" smtClean="0"/>
+              <a:pPr/>
               <a:t>‹#›</a:t>
             </a:fld>
             <a:endParaRPr lang="en-US"/>
@@ -1848,6 +1862,7 @@
           <a:p>
             <a:fld id="{F1818828-81B0-4D25-9814-EB5AF1E13B4C}" type="datetimeFigureOut">
               <a:rPr lang="en-US" smtClean="0"/>
+              <a:pPr/>
               <a:t>5/21/2021</a:t>
             </a:fld>
             <a:endParaRPr lang="en-US"/>
@@ -1890,6 +1905,7 @@
           <a:p>
             <a:fld id="{B354685E-EE93-4CB8-B6F5-1BE0BDBBE9E5}" type="slidenum">
               <a:rPr lang="en-US" smtClean="0"/>
+              <a:pPr/>
               <a:t>‹#›</a:t>
             </a:fld>
             <a:endParaRPr lang="en-US"/>
@@ -1938,6 +1954,7 @@
           <a:p>
             <a:fld id="{F1818828-81B0-4D25-9814-EB5AF1E13B4C}" type="datetimeFigureOut">
               <a:rPr lang="en-US" smtClean="0"/>
+              <a:pPr/>
               <a:t>5/21/2021</a:t>
             </a:fld>
             <a:endParaRPr lang="en-US"/>
@@ -1980,6 +1997,7 @@
           <a:p>
             <a:fld id="{B354685E-EE93-4CB8-B6F5-1BE0BDBBE9E5}" type="slidenum">
               <a:rPr lang="en-US" smtClean="0"/>
+              <a:pPr/>
               <a:t>‹#›</a:t>
             </a:fld>
             <a:endParaRPr lang="en-US"/>
@@ -2210,6 +2228,7 @@
           <a:p>
             <a:fld id="{F1818828-81B0-4D25-9814-EB5AF1E13B4C}" type="datetimeFigureOut">
               <a:rPr lang="en-US" smtClean="0"/>
+              <a:pPr/>
               <a:t>5/21/2021</a:t>
             </a:fld>
             <a:endParaRPr lang="en-US"/>
@@ -2252,6 +2271,7 @@
           <a:p>
             <a:fld id="{B354685E-EE93-4CB8-B6F5-1BE0BDBBE9E5}" type="slidenum">
               <a:rPr lang="en-US" smtClean="0"/>
+              <a:pPr/>
               <a:t>‹#›</a:t>
             </a:fld>
             <a:endParaRPr lang="en-US"/>
@@ -2458,6 +2478,7 @@
           <a:p>
             <a:fld id="{F1818828-81B0-4D25-9814-EB5AF1E13B4C}" type="datetimeFigureOut">
               <a:rPr lang="en-US" smtClean="0"/>
+              <a:pPr/>
               <a:t>5/21/2021</a:t>
             </a:fld>
             <a:endParaRPr lang="en-US"/>
@@ -2500,6 +2521,7 @@
           <a:p>
             <a:fld id="{B354685E-EE93-4CB8-B6F5-1BE0BDBBE9E5}" type="slidenum">
               <a:rPr lang="en-US" smtClean="0"/>
+              <a:pPr/>
               <a:t>‹#›</a:t>
             </a:fld>
             <a:endParaRPr lang="en-US"/>
@@ -2666,6 +2688,7 @@
           <a:p>
             <a:fld id="{F1818828-81B0-4D25-9814-EB5AF1E13B4C}" type="datetimeFigureOut">
               <a:rPr lang="en-US" smtClean="0"/>
+              <a:pPr/>
               <a:t>5/21/2021</a:t>
             </a:fld>
             <a:endParaRPr lang="en-US"/>
@@ -2744,6 +2767,7 @@
           <a:p>
             <a:fld id="{B354685E-EE93-4CB8-B6F5-1BE0BDBBE9E5}" type="slidenum">
               <a:rPr lang="en-US" smtClean="0"/>
+              <a:pPr/>
               <a:t>‹#›</a:t>
             </a:fld>
             <a:endParaRPr lang="en-US"/>
